--- a/Slides/Class 13.pptx
+++ b/Slides/Class 13.pptx
@@ -1922,14 +1922,14 @@
         <p:spPr bwMode="auto">
           <a:xfrm>
             <a:off x="415610" y="992766"/>
-            <a:ext cx="11360799" cy="2736799"/>
+            <a:ext cx="11360799" cy="2736798"/>
           </a:xfrm>
           <a:prstGeom prst="rect">
             <a:avLst/>
           </a:prstGeom>
         </p:spPr>
         <p:txBody>
-          <a:bodyPr spcFirstLastPara="1" wrap="square" lIns="91424" tIns="91424" rIns="91424" bIns="91424" anchor="b" anchorCtr="0">
+          <a:bodyPr spcFirstLastPara="1" wrap="square" lIns="91423" tIns="91423" rIns="91423" bIns="91423" anchor="b" anchorCtr="0">
             <a:noAutofit/>
           </a:bodyPr>
           <a:lstStyle>
@@ -2059,7 +2059,7 @@
           </a:prstGeom>
         </p:spPr>
         <p:txBody>
-          <a:bodyPr spcFirstLastPara="1" wrap="square" lIns="91424" tIns="91424" rIns="91424" bIns="91424" anchor="t" anchorCtr="0">
+          <a:bodyPr spcFirstLastPara="1" wrap="square" lIns="91423" tIns="91423" rIns="91423" bIns="91423" anchor="t" anchorCtr="0">
             <a:noAutofit/>
           </a:bodyPr>
           <a:lstStyle>
@@ -2216,7 +2216,7 @@
           </a:prstGeom>
         </p:spPr>
         <p:txBody>
-          <a:bodyPr spcFirstLastPara="1" wrap="square" lIns="91424" tIns="91424" rIns="91424" bIns="91424" anchor="ctr" anchorCtr="0">
+          <a:bodyPr spcFirstLastPara="1" wrap="square" lIns="91423" tIns="91423" rIns="91423" bIns="91423" anchor="ctr" anchorCtr="0">
             <a:noAutofit/>
           </a:bodyPr>
           <a:lstStyle>
@@ -2319,7 +2319,7 @@
           </a:prstGeom>
         </p:spPr>
         <p:txBody>
-          <a:bodyPr spcFirstLastPara="1" wrap="square" lIns="91424" tIns="91424" rIns="91424" bIns="91424" anchor="b" anchorCtr="0">
+          <a:bodyPr spcFirstLastPara="1" wrap="square" lIns="91423" tIns="91423" rIns="91423" bIns="91423" anchor="b" anchorCtr="0">
             <a:noAutofit/>
           </a:bodyPr>
           <a:lstStyle>
@@ -2453,7 +2453,7 @@
           </a:prstGeom>
         </p:spPr>
         <p:txBody>
-          <a:bodyPr spcFirstLastPara="1" wrap="square" lIns="91424" tIns="91424" rIns="91424" bIns="91424" anchor="t" anchorCtr="0">
+          <a:bodyPr spcFirstLastPara="1" wrap="square" lIns="91423" tIns="91423" rIns="91423" bIns="91423" anchor="t" anchorCtr="0">
             <a:noAutofit/>
           </a:bodyPr>
           <a:lstStyle>
@@ -2583,7 +2583,7 @@
           </a:prstGeom>
         </p:spPr>
         <p:txBody>
-          <a:bodyPr spcFirstLastPara="1" wrap="square" lIns="91424" tIns="91424" rIns="91424" bIns="91424" anchor="ctr" anchorCtr="0">
+          <a:bodyPr spcFirstLastPara="1" wrap="square" lIns="91423" tIns="91423" rIns="91423" bIns="91423" anchor="ctr" anchorCtr="0">
             <a:noAutofit/>
           </a:bodyPr>
           <a:lstStyle>
@@ -2686,7 +2686,7 @@
           </a:prstGeom>
         </p:spPr>
         <p:txBody>
-          <a:bodyPr spcFirstLastPara="1" wrap="square" lIns="91424" tIns="91424" rIns="91424" bIns="91424" anchor="ctr" anchorCtr="0">
+          <a:bodyPr spcFirstLastPara="1" wrap="square" lIns="91423" tIns="91423" rIns="91423" bIns="91423" anchor="ctr" anchorCtr="0">
             <a:noAutofit/>
           </a:bodyPr>
           <a:lstStyle>
@@ -2789,7 +2789,7 @@
           </a:prstGeom>
         </p:spPr>
         <p:txBody>
-          <a:bodyPr spcFirstLastPara="1" wrap="square" lIns="91424" tIns="91424" rIns="91424" bIns="91424" anchor="ctr" anchorCtr="0">
+          <a:bodyPr spcFirstLastPara="1" wrap="square" lIns="91423" tIns="91423" rIns="91423" bIns="91423" anchor="ctr" anchorCtr="0">
             <a:noAutofit/>
           </a:bodyPr>
           <a:lstStyle>
@@ -2919,7 +2919,7 @@
           </a:prstGeom>
         </p:spPr>
         <p:txBody>
-          <a:bodyPr spcFirstLastPara="1" wrap="square" lIns="91424" tIns="91424" rIns="91424" bIns="91424" anchor="ctr" anchorCtr="0">
+          <a:bodyPr spcFirstLastPara="1" wrap="square" lIns="91423" tIns="91423" rIns="91423" bIns="91423" anchor="ctr" anchorCtr="0">
             <a:noAutofit/>
           </a:bodyPr>
           <a:lstStyle>
@@ -3022,7 +3022,7 @@
           </a:prstGeom>
         </p:spPr>
         <p:txBody>
-          <a:bodyPr spcFirstLastPara="1" wrap="square" lIns="91424" tIns="91424" rIns="91424" bIns="91424" anchor="t" anchorCtr="0">
+          <a:bodyPr spcFirstLastPara="1" wrap="square" lIns="91423" tIns="91423" rIns="91423" bIns="91423" anchor="t" anchorCtr="0">
             <a:noAutofit/>
           </a:bodyPr>
           <a:lstStyle>
@@ -3152,7 +3152,7 @@
           </a:prstGeom>
         </p:spPr>
         <p:txBody>
-          <a:bodyPr spcFirstLastPara="1" wrap="square" lIns="91424" tIns="91424" rIns="91424" bIns="91424" anchor="t" anchorCtr="0">
+          <a:bodyPr spcFirstLastPara="1" wrap="square" lIns="91423" tIns="91423" rIns="91423" bIns="91423" anchor="t" anchorCtr="0">
             <a:noAutofit/>
           </a:bodyPr>
           <a:lstStyle>
@@ -3282,7 +3282,7 @@
           </a:prstGeom>
         </p:spPr>
         <p:txBody>
-          <a:bodyPr spcFirstLastPara="1" wrap="square" lIns="91424" tIns="91424" rIns="91424" bIns="91424" anchor="ctr" anchorCtr="0">
+          <a:bodyPr spcFirstLastPara="1" wrap="square" lIns="91423" tIns="91423" rIns="91423" bIns="91423" anchor="ctr" anchorCtr="0">
             <a:noAutofit/>
           </a:bodyPr>
           <a:lstStyle>
@@ -3385,7 +3385,7 @@
           </a:prstGeom>
         </p:spPr>
         <p:txBody>
-          <a:bodyPr spcFirstLastPara="1" wrap="square" lIns="91424" tIns="91424" rIns="91424" bIns="91424" anchor="t" anchorCtr="0">
+          <a:bodyPr spcFirstLastPara="1" wrap="square" lIns="91423" tIns="91423" rIns="91423" bIns="91423" anchor="t" anchorCtr="0">
             <a:noAutofit/>
           </a:bodyPr>
           <a:lstStyle>
@@ -3515,7 +3515,7 @@
           </a:prstGeom>
         </p:spPr>
         <p:txBody>
-          <a:bodyPr spcFirstLastPara="1" wrap="square" lIns="91424" tIns="91424" rIns="91424" bIns="91424" anchor="t" anchorCtr="0">
+          <a:bodyPr spcFirstLastPara="1" wrap="square" lIns="91423" tIns="91423" rIns="91423" bIns="91423" anchor="t" anchorCtr="0">
             <a:noAutofit/>
           </a:bodyPr>
           <a:lstStyle>
@@ -3645,7 +3645,7 @@
           </a:prstGeom>
         </p:spPr>
         <p:txBody>
-          <a:bodyPr spcFirstLastPara="1" wrap="square" lIns="91424" tIns="91424" rIns="91424" bIns="91424" anchor="t" anchorCtr="0">
+          <a:bodyPr spcFirstLastPara="1" wrap="square" lIns="91423" tIns="91423" rIns="91423" bIns="91423" anchor="t" anchorCtr="0">
             <a:noAutofit/>
           </a:bodyPr>
           <a:lstStyle>
@@ -3775,7 +3775,7 @@
           </a:prstGeom>
         </p:spPr>
         <p:txBody>
-          <a:bodyPr spcFirstLastPara="1" wrap="square" lIns="91424" tIns="91424" rIns="91424" bIns="91424" anchor="ctr" anchorCtr="0">
+          <a:bodyPr spcFirstLastPara="1" wrap="square" lIns="91423" tIns="91423" rIns="91423" bIns="91423" anchor="ctr" anchorCtr="0">
             <a:noAutofit/>
           </a:bodyPr>
           <a:lstStyle>
@@ -3878,7 +3878,7 @@
           </a:prstGeom>
         </p:spPr>
         <p:txBody>
-          <a:bodyPr spcFirstLastPara="1" wrap="square" lIns="91424" tIns="91424" rIns="91424" bIns="91424" anchor="t" anchorCtr="0">
+          <a:bodyPr spcFirstLastPara="1" wrap="square" lIns="91423" tIns="91423" rIns="91423" bIns="91423" anchor="t" anchorCtr="0">
             <a:noAutofit/>
           </a:bodyPr>
           <a:lstStyle>
@@ -4008,7 +4008,7 @@
           </a:prstGeom>
         </p:spPr>
         <p:txBody>
-          <a:bodyPr spcFirstLastPara="1" wrap="square" lIns="91424" tIns="91424" rIns="91424" bIns="91424" anchor="ctr" anchorCtr="0">
+          <a:bodyPr spcFirstLastPara="1" wrap="square" lIns="91423" tIns="91423" rIns="91423" bIns="91423" anchor="ctr" anchorCtr="0">
             <a:noAutofit/>
           </a:bodyPr>
           <a:lstStyle>
@@ -4111,7 +4111,7 @@
           </a:prstGeom>
         </p:spPr>
         <p:txBody>
-          <a:bodyPr spcFirstLastPara="1" wrap="square" lIns="91424" tIns="91424" rIns="91424" bIns="91424" anchor="b" anchorCtr="0">
+          <a:bodyPr spcFirstLastPara="1" wrap="square" lIns="91423" tIns="91423" rIns="91423" bIns="91423" anchor="b" anchorCtr="0">
             <a:noAutofit/>
           </a:bodyPr>
           <a:lstStyle>
@@ -4241,7 +4241,7 @@
           </a:prstGeom>
         </p:spPr>
         <p:txBody>
-          <a:bodyPr spcFirstLastPara="1" wrap="square" lIns="91424" tIns="91424" rIns="91424" bIns="91424" anchor="t" anchorCtr="0">
+          <a:bodyPr spcFirstLastPara="1" wrap="square" lIns="91423" tIns="91423" rIns="91423" bIns="91423" anchor="t" anchorCtr="0">
             <a:noAutofit/>
           </a:bodyPr>
           <a:lstStyle>
@@ -4371,7 +4371,7 @@
           </a:prstGeom>
         </p:spPr>
         <p:txBody>
-          <a:bodyPr spcFirstLastPara="1" wrap="square" lIns="91424" tIns="91424" rIns="91424" bIns="91424" anchor="ctr" anchorCtr="0">
+          <a:bodyPr spcFirstLastPara="1" wrap="square" lIns="91423" tIns="91423" rIns="91423" bIns="91423" anchor="ctr" anchorCtr="0">
             <a:noAutofit/>
           </a:bodyPr>
           <a:lstStyle>
@@ -4474,7 +4474,7 @@
           </a:prstGeom>
         </p:spPr>
         <p:txBody>
-          <a:bodyPr spcFirstLastPara="1" wrap="square" lIns="91424" tIns="91424" rIns="91424" bIns="91424" anchor="ctr" anchorCtr="0">
+          <a:bodyPr spcFirstLastPara="1" wrap="square" lIns="91423" tIns="91423" rIns="91423" bIns="91423" anchor="ctr" anchorCtr="0">
             <a:noAutofit/>
           </a:bodyPr>
           <a:lstStyle>
@@ -4604,7 +4604,7 @@
           </a:prstGeom>
         </p:spPr>
         <p:txBody>
-          <a:bodyPr spcFirstLastPara="1" wrap="square" lIns="91424" tIns="91424" rIns="91424" bIns="91424" anchor="ctr" anchorCtr="0">
+          <a:bodyPr spcFirstLastPara="1" wrap="square" lIns="91423" tIns="91423" rIns="91423" bIns="91423" anchor="ctr" anchorCtr="0">
             <a:noAutofit/>
           </a:bodyPr>
           <a:lstStyle>
@@ -4711,7 +4711,7 @@
           </a:ln>
         </p:spPr>
         <p:txBody>
-          <a:bodyPr spcFirstLastPara="1" wrap="square" lIns="91424" tIns="91424" rIns="91424" bIns="91424" anchor="ctr" anchorCtr="0">
+          <a:bodyPr spcFirstLastPara="1" wrap="square" lIns="91423" tIns="91423" rIns="91423" bIns="91423" anchor="ctr" anchorCtr="0">
             <a:noAutofit/>
           </a:bodyPr>
           <a:lstStyle/>
@@ -4748,7 +4748,7 @@
           </a:prstGeom>
         </p:spPr>
         <p:txBody>
-          <a:bodyPr spcFirstLastPara="1" wrap="square" lIns="91424" tIns="91424" rIns="91424" bIns="91424" anchor="b" anchorCtr="0">
+          <a:bodyPr spcFirstLastPara="1" wrap="square" lIns="91423" tIns="91423" rIns="91423" bIns="91423" anchor="b" anchorCtr="0">
             <a:noAutofit/>
           </a:bodyPr>
           <a:lstStyle>
@@ -4878,7 +4878,7 @@
           </a:prstGeom>
         </p:spPr>
         <p:txBody>
-          <a:bodyPr spcFirstLastPara="1" wrap="square" lIns="91424" tIns="91424" rIns="91424" bIns="91424" anchor="t" anchorCtr="0">
+          <a:bodyPr spcFirstLastPara="1" wrap="square" lIns="91423" tIns="91423" rIns="91423" bIns="91423" anchor="t" anchorCtr="0">
             <a:noAutofit/>
           </a:bodyPr>
           <a:lstStyle>
@@ -5035,7 +5035,7 @@
           </a:prstGeom>
         </p:spPr>
         <p:txBody>
-          <a:bodyPr spcFirstLastPara="1" wrap="square" lIns="91424" tIns="91424" rIns="91424" bIns="91424" anchor="ctr" anchorCtr="0">
+          <a:bodyPr spcFirstLastPara="1" wrap="square" lIns="91423" tIns="91423" rIns="91423" bIns="91423" anchor="ctr" anchorCtr="0">
             <a:noAutofit/>
           </a:bodyPr>
           <a:lstStyle>
@@ -5228,7 +5228,7 @@
           </a:prstGeom>
         </p:spPr>
         <p:txBody>
-          <a:bodyPr spcFirstLastPara="1" wrap="square" lIns="91424" tIns="91424" rIns="91424" bIns="91424" anchor="ctr" anchorCtr="0">
+          <a:bodyPr spcFirstLastPara="1" wrap="square" lIns="91423" tIns="91423" rIns="91423" bIns="91423" anchor="ctr" anchorCtr="0">
             <a:noAutofit/>
           </a:bodyPr>
           <a:lstStyle>
@@ -5331,7 +5331,7 @@
           </a:prstGeom>
         </p:spPr>
         <p:txBody>
-          <a:bodyPr spcFirstLastPara="1" wrap="square" lIns="91424" tIns="91424" rIns="91424" bIns="91424" anchor="ctr" anchorCtr="0">
+          <a:bodyPr spcFirstLastPara="1" wrap="square" lIns="91423" tIns="91423" rIns="91423" bIns="91423" anchor="ctr" anchorCtr="0">
             <a:noAutofit/>
           </a:bodyPr>
           <a:lstStyle>
@@ -5376,7 +5376,7 @@
           </a:prstGeom>
         </p:spPr>
         <p:txBody>
-          <a:bodyPr spcFirstLastPara="1" wrap="square" lIns="91424" tIns="91424" rIns="91424" bIns="91424" anchor="ctr" anchorCtr="0">
+          <a:bodyPr spcFirstLastPara="1" wrap="square" lIns="91423" tIns="91423" rIns="91423" bIns="91423" anchor="ctr" anchorCtr="0">
             <a:noAutofit/>
           </a:bodyPr>
           <a:lstStyle>
@@ -5490,7 +5490,7 @@
           </a:ln>
         </p:spPr>
         <p:txBody>
-          <a:bodyPr spcFirstLastPara="1" wrap="square" lIns="91424" tIns="91424" rIns="91424" bIns="91424" anchor="t" anchorCtr="0">
+          <a:bodyPr spcFirstLastPara="1" wrap="square" lIns="91423" tIns="91423" rIns="91423" bIns="91423" anchor="t" anchorCtr="0">
             <a:noAutofit/>
           </a:bodyPr>
           <a:lstStyle>
@@ -5687,7 +5687,7 @@
           </a:ln>
         </p:spPr>
         <p:txBody>
-          <a:bodyPr spcFirstLastPara="1" wrap="square" lIns="91424" tIns="91424" rIns="91424" bIns="91424" anchor="t" anchorCtr="0">
+          <a:bodyPr spcFirstLastPara="1" wrap="square" lIns="91423" tIns="91423" rIns="91423" bIns="91423" anchor="t" anchorCtr="0">
             <a:noAutofit/>
           </a:bodyPr>
           <a:lstStyle>
@@ -5911,7 +5911,7 @@
           </a:ln>
         </p:spPr>
         <p:txBody>
-          <a:bodyPr spcFirstLastPara="1" wrap="square" lIns="91424" tIns="91424" rIns="91424" bIns="91424" anchor="ctr" anchorCtr="0">
+          <a:bodyPr spcFirstLastPara="1" wrap="square" lIns="91423" tIns="91423" rIns="91423" bIns="91423" anchor="ctr" anchorCtr="0">
             <a:noAutofit/>
           </a:bodyPr>
           <a:lstStyle>
@@ -6724,7 +6724,7 @@
           </a:prstGeom>
         </p:spPr>
         <p:txBody>
-          <a:bodyPr spcFirstLastPara="1" wrap="square" lIns="91424" tIns="91424" rIns="91424" bIns="91424" anchor="ctr" anchorCtr="0">
+          <a:bodyPr spcFirstLastPara="1" wrap="square" lIns="91423" tIns="91423" rIns="91423" bIns="91423" anchor="ctr" anchorCtr="0">
             <a:noAutofit/>
           </a:bodyPr>
           <a:lstStyle/>
@@ -6798,7 +6798,7 @@
           </a:prstGeom>
         </p:spPr>
         <p:txBody>
-          <a:bodyPr spcFirstLastPara="1" wrap="square" lIns="91424" tIns="91424" rIns="91424" bIns="91424" anchor="ctr" anchorCtr="0">
+          <a:bodyPr spcFirstLastPara="1" wrap="square" lIns="91423" tIns="91423" rIns="91423" bIns="91423" anchor="ctr" anchorCtr="0">
             <a:noAutofit/>
           </a:bodyPr>
           <a:lstStyle/>
@@ -7124,7 +7124,7 @@
           </a:prstGeom>
         </p:spPr>
         <p:txBody>
-          <a:bodyPr spcFirstLastPara="1" wrap="square" lIns="91424" tIns="91424" rIns="91424" bIns="91424" anchor="ctr" anchorCtr="0">
+          <a:bodyPr spcFirstLastPara="1" wrap="square" lIns="91423" tIns="91423" rIns="91423" bIns="91423" anchor="ctr" anchorCtr="0">
             <a:noAutofit/>
           </a:bodyPr>
           <a:lstStyle/>
@@ -7458,7 +7458,7 @@
           </a:prstGeom>
         </p:spPr>
         <p:txBody>
-          <a:bodyPr spcFirstLastPara="1" wrap="square" lIns="91424" tIns="91424" rIns="91424" bIns="91424" anchor="ctr" anchorCtr="0">
+          <a:bodyPr spcFirstLastPara="1" wrap="square" lIns="91423" tIns="91423" rIns="91423" bIns="91423" anchor="ctr" anchorCtr="0">
             <a:noAutofit/>
           </a:bodyPr>
           <a:lstStyle/>
@@ -7532,7 +7532,7 @@
           </a:prstGeom>
         </p:spPr>
         <p:txBody>
-          <a:bodyPr spcFirstLastPara="1" wrap="square" lIns="91424" tIns="91424" rIns="91424" bIns="91424" anchor="ctr" anchorCtr="0">
+          <a:bodyPr spcFirstLastPara="1" wrap="square" lIns="91423" tIns="91423" rIns="91423" bIns="91423" anchor="ctr" anchorCtr="0">
             <a:noAutofit/>
           </a:bodyPr>
           <a:lstStyle/>
@@ -7802,7 +7802,7 @@
           </a:prstGeom>
         </p:spPr>
         <p:txBody>
-          <a:bodyPr spcFirstLastPara="1" wrap="square" lIns="91424" tIns="91424" rIns="91424" bIns="91424" anchor="ctr" anchorCtr="0">
+          <a:bodyPr spcFirstLastPara="1" wrap="square" lIns="91423" tIns="91423" rIns="91423" bIns="91423" anchor="ctr" anchorCtr="0">
             <a:noAutofit/>
           </a:bodyPr>
           <a:lstStyle/>
@@ -8080,7 +8080,7 @@
           </a:prstGeom>
         </p:spPr>
         <p:txBody>
-          <a:bodyPr spcFirstLastPara="1" wrap="square" lIns="91424" tIns="91424" rIns="91424" bIns="91424" anchor="ctr" anchorCtr="0">
+          <a:bodyPr spcFirstLastPara="1" wrap="square" lIns="91423" tIns="91423" rIns="91423" bIns="91423" anchor="ctr" anchorCtr="0">
             <a:noAutofit/>
           </a:bodyPr>
           <a:lstStyle/>
@@ -8358,7 +8358,7 @@
           </a:prstGeom>
         </p:spPr>
         <p:txBody>
-          <a:bodyPr spcFirstLastPara="1" wrap="square" lIns="91424" tIns="91424" rIns="91424" bIns="91424" anchor="ctr" anchorCtr="0">
+          <a:bodyPr spcFirstLastPara="1" wrap="square" lIns="91423" tIns="91423" rIns="91423" bIns="91423" anchor="ctr" anchorCtr="0">
             <a:noAutofit/>
           </a:bodyPr>
           <a:lstStyle/>
@@ -8432,7 +8432,7 @@
           </a:prstGeom>
         </p:spPr>
         <p:txBody>
-          <a:bodyPr spcFirstLastPara="1" wrap="square" lIns="91424" tIns="91424" rIns="91424" bIns="91424" anchor="ctr" anchorCtr="0">
+          <a:bodyPr spcFirstLastPara="1" wrap="square" lIns="91423" tIns="91423" rIns="91423" bIns="91423" anchor="ctr" anchorCtr="0">
             <a:noAutofit/>
           </a:bodyPr>
           <a:lstStyle/>
@@ -8725,7 +8725,7 @@
         </p:nvSpPr>
         <p:spPr bwMode="auto">
           <a:xfrm>
-            <a:off x="1828800" y="5829299"/>
+            <a:off x="1828800" y="5829298"/>
             <a:ext cx="8534399" cy="457200"/>
           </a:xfrm>
           <a:prstGeom prst="rect">
@@ -8737,7 +8737,7 @@
           </a:ln>
         </p:spPr>
         <p:txBody>
-          <a:bodyPr spcFirstLastPara="1" wrap="square" lIns="91424" tIns="91424" rIns="91424" bIns="91424" anchor="t" anchorCtr="0">
+          <a:bodyPr spcFirstLastPara="1" wrap="square" lIns="91423" tIns="91423" rIns="91423" bIns="91423" anchor="t" anchorCtr="0">
             <a:noAutofit/>
           </a:bodyPr>
           <a:lstStyle/>
@@ -8775,7 +8775,7 @@
           <p:nvPr/>
         </p:nvSpPr>
         <p:spPr bwMode="auto">
-          <a:xfrm rot="-5399978">
+          <a:xfrm rot="-5399977">
             <a:off x="-977799" y="3200400"/>
             <a:ext cx="4749599" cy="457200"/>
           </a:xfrm>
@@ -8788,7 +8788,7 @@
           </a:ln>
         </p:spPr>
         <p:txBody>
-          <a:bodyPr spcFirstLastPara="1" wrap="square" lIns="91424" tIns="91424" rIns="91424" bIns="91424" anchor="t" anchorCtr="0">
+          <a:bodyPr spcFirstLastPara="1" wrap="square" lIns="91423" tIns="91423" rIns="91423" bIns="91423" anchor="t" anchorCtr="0">
             <a:noAutofit/>
           </a:bodyPr>
           <a:lstStyle/>
@@ -8886,7 +8886,7 @@
         </p:nvSpPr>
         <p:spPr bwMode="auto">
           <a:xfrm>
-            <a:off x="1828800" y="5829299"/>
+            <a:off x="1828800" y="5829298"/>
             <a:ext cx="8534399" cy="457200"/>
           </a:xfrm>
           <a:prstGeom prst="rect">
@@ -8898,7 +8898,7 @@
           </a:ln>
         </p:spPr>
         <p:txBody>
-          <a:bodyPr spcFirstLastPara="1" wrap="square" lIns="91424" tIns="91424" rIns="91424" bIns="91424" anchor="t" anchorCtr="0">
+          <a:bodyPr spcFirstLastPara="1" wrap="square" lIns="91423" tIns="91423" rIns="91423" bIns="91423" anchor="t" anchorCtr="0">
             <a:noAutofit/>
           </a:bodyPr>
           <a:lstStyle/>
@@ -8936,7 +8936,7 @@
           <p:nvPr/>
         </p:nvSpPr>
         <p:spPr bwMode="auto">
-          <a:xfrm rot="-5399978">
+          <a:xfrm rot="-5399977">
             <a:off x="-977799" y="3200400"/>
             <a:ext cx="4749599" cy="457200"/>
           </a:xfrm>
@@ -8949,7 +8949,7 @@
           </a:ln>
         </p:spPr>
         <p:txBody>
-          <a:bodyPr spcFirstLastPara="1" wrap="square" lIns="91424" tIns="91424" rIns="91424" bIns="91424" anchor="t" anchorCtr="0">
+          <a:bodyPr spcFirstLastPara="1" wrap="square" lIns="91423" tIns="91423" rIns="91423" bIns="91423" anchor="t" anchorCtr="0">
             <a:noAutofit/>
           </a:bodyPr>
           <a:lstStyle/>
@@ -8988,7 +8988,7 @@
         </p:nvSpPr>
         <p:spPr bwMode="auto">
           <a:xfrm>
-            <a:off x="2336798" y="165199"/>
+            <a:off x="2592346" y="234893"/>
             <a:ext cx="1752799" cy="685599"/>
           </a:xfrm>
           <a:prstGeom prst="rect">
@@ -9000,7 +9000,7 @@
           </a:ln>
         </p:spPr>
         <p:txBody>
-          <a:bodyPr spcFirstLastPara="1" wrap="square" lIns="91424" tIns="91424" rIns="91424" bIns="91424" anchor="t" anchorCtr="0">
+          <a:bodyPr spcFirstLastPara="1" wrap="square" lIns="91423" tIns="91423" rIns="91423" bIns="91423" anchor="t" anchorCtr="0">
             <a:noAutofit/>
           </a:bodyPr>
           <a:lstStyle/>
@@ -9059,7 +9059,7 @@
           </a:ln>
         </p:spPr>
         <p:txBody>
-          <a:bodyPr spcFirstLastPara="1" wrap="square" lIns="91424" tIns="91424" rIns="91424" bIns="91424" anchor="t" anchorCtr="0">
+          <a:bodyPr spcFirstLastPara="1" wrap="square" lIns="91423" tIns="91423" rIns="91423" bIns="91423" anchor="t" anchorCtr="0">
             <a:noAutofit/>
           </a:bodyPr>
           <a:lstStyle/>
@@ -9114,7 +9114,7 @@
         </p:nvSpPr>
         <p:spPr bwMode="auto">
           <a:xfrm>
-            <a:off x="10363199" y="3111599"/>
+            <a:off x="10363199" y="3111598"/>
             <a:ext cx="1752799" cy="685599"/>
           </a:xfrm>
           <a:prstGeom prst="rect">
@@ -9126,7 +9126,7 @@
           </a:ln>
         </p:spPr>
         <p:txBody>
-          <a:bodyPr spcFirstLastPara="1" wrap="square" lIns="91424" tIns="91424" rIns="91424" bIns="91424" anchor="t" anchorCtr="0">
+          <a:bodyPr spcFirstLastPara="1" wrap="square" lIns="91423" tIns="91423" rIns="91423" bIns="91423" anchor="t" anchorCtr="0">
             <a:noAutofit/>
           </a:bodyPr>
           <a:lstStyle/>
@@ -9248,7 +9248,7 @@
         </p:nvSpPr>
         <p:spPr bwMode="auto">
           <a:xfrm>
-            <a:off x="1828800" y="5829299"/>
+            <a:off x="1828800" y="5829298"/>
             <a:ext cx="8534399" cy="457200"/>
           </a:xfrm>
           <a:prstGeom prst="rect">
@@ -9260,7 +9260,7 @@
           </a:ln>
         </p:spPr>
         <p:txBody>
-          <a:bodyPr spcFirstLastPara="1" wrap="square" lIns="91424" tIns="91424" rIns="91424" bIns="91424" anchor="t" anchorCtr="0">
+          <a:bodyPr spcFirstLastPara="1" wrap="square" lIns="91423" tIns="91423" rIns="91423" bIns="91423" anchor="t" anchorCtr="0">
             <a:noAutofit/>
           </a:bodyPr>
           <a:lstStyle/>
@@ -9298,7 +9298,7 @@
           <p:nvPr/>
         </p:nvSpPr>
         <p:spPr bwMode="auto">
-          <a:xfrm rot="-5399978">
+          <a:xfrm rot="-5399977">
             <a:off x="-977799" y="3200400"/>
             <a:ext cx="4749599" cy="457200"/>
           </a:xfrm>
@@ -9311,7 +9311,7 @@
           </a:ln>
         </p:spPr>
         <p:txBody>
-          <a:bodyPr spcFirstLastPara="1" wrap="square" lIns="91424" tIns="91424" rIns="91424" bIns="91424" anchor="t" anchorCtr="0">
+          <a:bodyPr spcFirstLastPara="1" wrap="square" lIns="91423" tIns="91423" rIns="91423" bIns="91423" anchor="t" anchorCtr="0">
             <a:noAutofit/>
           </a:bodyPr>
           <a:lstStyle/>
@@ -9362,7 +9362,7 @@
           </a:ln>
         </p:spPr>
         <p:txBody>
-          <a:bodyPr spcFirstLastPara="1" wrap="square" lIns="91424" tIns="91424" rIns="91424" bIns="91424" anchor="t" anchorCtr="0">
+          <a:bodyPr spcFirstLastPara="1" wrap="square" lIns="91423" tIns="91423" rIns="91423" bIns="91423" anchor="t" anchorCtr="0">
             <a:noAutofit/>
           </a:bodyPr>
           <a:lstStyle/>
@@ -9437,7 +9437,7 @@
           </a:ln>
         </p:spPr>
         <p:txBody>
-          <a:bodyPr spcFirstLastPara="1" wrap="square" lIns="91424" tIns="91424" rIns="91424" bIns="91424" anchor="t" anchorCtr="0">
+          <a:bodyPr spcFirstLastPara="1" wrap="square" lIns="91423" tIns="91423" rIns="91423" bIns="91423" anchor="t" anchorCtr="0">
             <a:noAutofit/>
           </a:bodyPr>
           <a:lstStyle/>
@@ -9500,7 +9500,7 @@
         </p:nvSpPr>
         <p:spPr bwMode="auto">
           <a:xfrm>
-            <a:off x="10363199" y="3111599"/>
+            <a:off x="10363199" y="3111598"/>
             <a:ext cx="1752799" cy="685599"/>
           </a:xfrm>
           <a:prstGeom prst="rect">
@@ -9512,7 +9512,7 @@
           </a:ln>
         </p:spPr>
         <p:txBody>
-          <a:bodyPr spcFirstLastPara="1" wrap="square" lIns="91424" tIns="91424" rIns="91424" bIns="91424" anchor="t" anchorCtr="0">
+          <a:bodyPr spcFirstLastPara="1" wrap="square" lIns="91423" tIns="91423" rIns="91423" bIns="91423" anchor="t" anchorCtr="0">
             <a:noAutofit/>
           </a:bodyPr>
           <a:lstStyle/>
@@ -9642,7 +9642,7 @@
         </p:nvSpPr>
         <p:spPr bwMode="auto">
           <a:xfrm>
-            <a:off x="1828800" y="5829299"/>
+            <a:off x="1828800" y="5829298"/>
             <a:ext cx="8534399" cy="457200"/>
           </a:xfrm>
           <a:prstGeom prst="rect">
@@ -9654,7 +9654,7 @@
           </a:ln>
         </p:spPr>
         <p:txBody>
-          <a:bodyPr spcFirstLastPara="1" wrap="square" lIns="91424" tIns="91424" rIns="91424" bIns="91424" anchor="t" anchorCtr="0">
+          <a:bodyPr spcFirstLastPara="1" wrap="square" lIns="91423" tIns="91423" rIns="91423" bIns="91423" anchor="t" anchorCtr="0">
             <a:noAutofit/>
           </a:bodyPr>
           <a:lstStyle/>
@@ -9692,7 +9692,7 @@
           <p:nvPr/>
         </p:nvSpPr>
         <p:spPr bwMode="auto">
-          <a:xfrm rot="-5399978">
+          <a:xfrm rot="-5399977">
             <a:off x="-977799" y="3200400"/>
             <a:ext cx="4749599" cy="457200"/>
           </a:xfrm>
@@ -9705,7 +9705,7 @@
           </a:ln>
         </p:spPr>
         <p:txBody>
-          <a:bodyPr spcFirstLastPara="1" wrap="square" lIns="91424" tIns="91424" rIns="91424" bIns="91424" anchor="t" anchorCtr="0">
+          <a:bodyPr spcFirstLastPara="1" wrap="square" lIns="91423" tIns="91423" rIns="91423" bIns="91423" anchor="t" anchorCtr="0">
             <a:noAutofit/>
           </a:bodyPr>
           <a:lstStyle/>
@@ -9756,7 +9756,7 @@
           </a:ln>
         </p:spPr>
         <p:txBody>
-          <a:bodyPr spcFirstLastPara="1" wrap="square" lIns="91424" tIns="91424" rIns="91424" bIns="91424" anchor="t" anchorCtr="0">
+          <a:bodyPr spcFirstLastPara="1" wrap="square" lIns="91423" tIns="91423" rIns="91423" bIns="91423" anchor="t" anchorCtr="0">
             <a:noAutofit/>
           </a:bodyPr>
           <a:lstStyle/>
@@ -9831,7 +9831,7 @@
           </a:ln>
         </p:spPr>
         <p:txBody>
-          <a:bodyPr spcFirstLastPara="1" wrap="square" lIns="91424" tIns="91424" rIns="91424" bIns="91424" anchor="t" anchorCtr="0">
+          <a:bodyPr spcFirstLastPara="1" wrap="square" lIns="91423" tIns="91423" rIns="91423" bIns="91423" anchor="t" anchorCtr="0">
             <a:noAutofit/>
           </a:bodyPr>
           <a:lstStyle/>
@@ -9894,7 +9894,7 @@
         </p:nvSpPr>
         <p:spPr bwMode="auto">
           <a:xfrm>
-            <a:off x="10363199" y="3111599"/>
+            <a:off x="10363199" y="3111598"/>
             <a:ext cx="1752799" cy="685599"/>
           </a:xfrm>
           <a:prstGeom prst="rect">
@@ -9906,7 +9906,7 @@
           </a:ln>
         </p:spPr>
         <p:txBody>
-          <a:bodyPr spcFirstLastPara="1" wrap="square" lIns="91424" tIns="91424" rIns="91424" bIns="91424" anchor="t" anchorCtr="0">
+          <a:bodyPr spcFirstLastPara="1" wrap="square" lIns="91423" tIns="91423" rIns="91423" bIns="91423" anchor="t" anchorCtr="0">
             <a:noAutofit/>
           </a:bodyPr>
           <a:lstStyle/>
@@ -10036,7 +10036,7 @@
         </p:nvSpPr>
         <p:spPr bwMode="auto">
           <a:xfrm>
-            <a:off x="1828800" y="5829299"/>
+            <a:off x="1828800" y="5829298"/>
             <a:ext cx="8534399" cy="457200"/>
           </a:xfrm>
           <a:prstGeom prst="rect">
@@ -10048,7 +10048,7 @@
           </a:ln>
         </p:spPr>
         <p:txBody>
-          <a:bodyPr spcFirstLastPara="1" wrap="square" lIns="91424" tIns="91424" rIns="91424" bIns="91424" anchor="t" anchorCtr="0">
+          <a:bodyPr spcFirstLastPara="1" wrap="square" lIns="91423" tIns="91423" rIns="91423" bIns="91423" anchor="t" anchorCtr="0">
             <a:noAutofit/>
           </a:bodyPr>
           <a:lstStyle/>
@@ -10086,7 +10086,7 @@
           <p:nvPr/>
         </p:nvSpPr>
         <p:spPr bwMode="auto">
-          <a:xfrm rot="-5399978">
+          <a:xfrm rot="-5399977">
             <a:off x="-977799" y="3200400"/>
             <a:ext cx="4749599" cy="457200"/>
           </a:xfrm>
@@ -10099,7 +10099,7 @@
           </a:ln>
         </p:spPr>
         <p:txBody>
-          <a:bodyPr spcFirstLastPara="1" wrap="square" lIns="91424" tIns="91424" rIns="91424" bIns="91424" anchor="t" anchorCtr="0">
+          <a:bodyPr spcFirstLastPara="1" wrap="square" lIns="91423" tIns="91423" rIns="91423" bIns="91423" anchor="t" anchorCtr="0">
             <a:noAutofit/>
           </a:bodyPr>
           <a:lstStyle/>
@@ -10150,7 +10150,7 @@
           </a:ln>
         </p:spPr>
         <p:txBody>
-          <a:bodyPr spcFirstLastPara="1" wrap="square" lIns="91424" tIns="91424" rIns="91424" bIns="91424" anchor="t" anchorCtr="0">
+          <a:bodyPr spcFirstLastPara="1" wrap="square" lIns="91423" tIns="91423" rIns="91423" bIns="91423" anchor="t" anchorCtr="0">
             <a:noAutofit/>
           </a:bodyPr>
           <a:lstStyle/>
@@ -10225,7 +10225,7 @@
           </a:ln>
         </p:spPr>
         <p:txBody>
-          <a:bodyPr spcFirstLastPara="1" wrap="square" lIns="91424" tIns="91424" rIns="91424" bIns="91424" anchor="t" anchorCtr="0">
+          <a:bodyPr spcFirstLastPara="1" wrap="square" lIns="91423" tIns="91423" rIns="91423" bIns="91423" anchor="t" anchorCtr="0">
             <a:noAutofit/>
           </a:bodyPr>
           <a:lstStyle/>
@@ -10288,7 +10288,7 @@
         </p:nvSpPr>
         <p:spPr bwMode="auto">
           <a:xfrm>
-            <a:off x="10363199" y="3111599"/>
+            <a:off x="10363199" y="3111598"/>
             <a:ext cx="1752799" cy="685599"/>
           </a:xfrm>
           <a:prstGeom prst="rect">
@@ -10300,7 +10300,7 @@
           </a:ln>
         </p:spPr>
         <p:txBody>
-          <a:bodyPr spcFirstLastPara="1" wrap="square" lIns="91424" tIns="91424" rIns="91424" bIns="91424" anchor="t" anchorCtr="0">
+          <a:bodyPr spcFirstLastPara="1" wrap="square" lIns="91423" tIns="91423" rIns="91423" bIns="91423" anchor="t" anchorCtr="0">
             <a:noAutofit/>
           </a:bodyPr>
           <a:lstStyle/>
@@ -10404,7 +10404,7 @@
         </p:nvSpPr>
         <p:spPr bwMode="auto">
           <a:xfrm>
-            <a:off x="1828800" y="5829299"/>
+            <a:off x="1828800" y="5829298"/>
             <a:ext cx="8534399" cy="457200"/>
           </a:xfrm>
           <a:prstGeom prst="rect">
@@ -10416,7 +10416,7 @@
           </a:ln>
         </p:spPr>
         <p:txBody>
-          <a:bodyPr spcFirstLastPara="1" wrap="square" lIns="91424" tIns="91424" rIns="91424" bIns="91424" anchor="t" anchorCtr="0">
+          <a:bodyPr spcFirstLastPara="1" wrap="square" lIns="91423" tIns="91423" rIns="91423" bIns="91423" anchor="t" anchorCtr="0">
             <a:noAutofit/>
           </a:bodyPr>
           <a:lstStyle/>
@@ -10454,7 +10454,7 @@
           <p:nvPr/>
         </p:nvSpPr>
         <p:spPr bwMode="auto">
-          <a:xfrm rot="-5399978">
+          <a:xfrm rot="-5399977">
             <a:off x="-977799" y="3200400"/>
             <a:ext cx="4749599" cy="457200"/>
           </a:xfrm>
@@ -10467,7 +10467,7 @@
           </a:ln>
         </p:spPr>
         <p:txBody>
-          <a:bodyPr spcFirstLastPara="1" wrap="square" lIns="91424" tIns="91424" rIns="91424" bIns="91424" anchor="t" anchorCtr="0">
+          <a:bodyPr spcFirstLastPara="1" wrap="square" lIns="91423" tIns="91423" rIns="91423" bIns="91423" anchor="t" anchorCtr="0">
             <a:noAutofit/>
           </a:bodyPr>
           <a:lstStyle/>
@@ -10518,7 +10518,7 @@
           </a:ln>
         </p:spPr>
         <p:txBody>
-          <a:bodyPr spcFirstLastPara="1" wrap="square" lIns="91424" tIns="91424" rIns="91424" bIns="91424" anchor="t" anchorCtr="0">
+          <a:bodyPr spcFirstLastPara="1" wrap="square" lIns="91423" tIns="91423" rIns="91423" bIns="91423" anchor="t" anchorCtr="0">
             <a:noAutofit/>
           </a:bodyPr>
           <a:lstStyle/>
@@ -10593,7 +10593,7 @@
           </a:ln>
         </p:spPr>
         <p:txBody>
-          <a:bodyPr spcFirstLastPara="1" wrap="square" lIns="91424" tIns="91424" rIns="91424" bIns="91424" anchor="t" anchorCtr="0">
+          <a:bodyPr spcFirstLastPara="1" wrap="square" lIns="91423" tIns="91423" rIns="91423" bIns="91423" anchor="t" anchorCtr="0">
             <a:noAutofit/>
           </a:bodyPr>
           <a:lstStyle/>
@@ -10733,7 +10733,7 @@
           </a:prstGeom>
         </p:spPr>
         <p:txBody>
-          <a:bodyPr spcFirstLastPara="1" wrap="square" lIns="91424" tIns="91424" rIns="91424" bIns="91424" anchor="ctr" anchorCtr="0">
+          <a:bodyPr spcFirstLastPara="1" wrap="square" lIns="91423" tIns="91423" rIns="91423" bIns="91423" anchor="ctr" anchorCtr="0">
             <a:noAutofit/>
           </a:bodyPr>
           <a:lstStyle/>
@@ -10750,7 +10750,7 @@
             </a:pPr>
             <a:r>
               <a:rPr lang="en" sz="6000" i="1"/>
-              <a:t>O</a:t>
+              <a:t>O – Big O</a:t>
             </a:r>
             <a:endParaRPr sz="6000" i="1"/>
           </a:p>
@@ -10807,7 +10807,7 @@
           </a:prstGeom>
         </p:spPr>
         <p:txBody>
-          <a:bodyPr spcFirstLastPara="1" wrap="square" lIns="91424" tIns="91424" rIns="91424" bIns="91424" anchor="ctr" anchorCtr="0">
+          <a:bodyPr spcFirstLastPara="1" wrap="square" lIns="91423" tIns="91423" rIns="91423" bIns="91423" anchor="ctr" anchorCtr="0">
             <a:noAutofit/>
           </a:bodyPr>
           <a:lstStyle/>
@@ -11023,7 +11023,7 @@
                   <a:srgbClr val="FFFFFF"/>
                 </a:solidFill>
               </a:rPr>
-              <a:t>)    </a:t>
+              <a:t>)   binary searc </a:t>
             </a:r>
             <a:endParaRPr>
               <a:solidFill>
